--- a/docs/hasura-auth.pptx
+++ b/docs/hasura-auth.pptx
@@ -8,6 +8,9 @@
     <p:sldId id="258" r:id="rId2"/>
     <p:sldId id="256" r:id="rId3"/>
     <p:sldId id="257" r:id="rId4"/>
+    <p:sldId id="259" r:id="rId5"/>
+    <p:sldId id="260" r:id="rId6"/>
+    <p:sldId id="261" r:id="rId7"/>
   </p:sldIdLst>
   <p:sldSz cx="12192000" cy="6858000"/>
   <p:notesSz cx="6858000" cy="9144000"/>
@@ -106,6 +109,11 @@
       </a:defRPr>
     </a:lvl9pPr>
   </p:defaultTextStyle>
+  <p:extLst>
+    <p:ext uri="{EFAFB233-063F-42B5-8137-9DF3F51BA10A}">
+      <p15:sldGuideLst xmlns:p15="http://schemas.microsoft.com/office/powerpoint/2012/main"/>
+    </p:ext>
+  </p:extLst>
 </p:presentation>
 </file>
 
@@ -5507,7 +5515,26 @@
                 <a:effectLst/>
                 <a:latin typeface="IBM Plex Mono Regular"/>
               </a:rPr>
-              <a:t>"user"</a:t>
+              <a:t>“</a:t>
+            </a:r>
+            <a:r>
+              <a:rPr lang="en-US" altLang="ja-JP" sz="1100" dirty="0">
+                <a:solidFill>
+                  <a:srgbClr val="A31515"/>
+                </a:solidFill>
+                <a:latin typeface="IBM Plex Mono Regular"/>
+              </a:rPr>
+              <a:t>user</a:t>
+            </a:r>
+            <a:r>
+              <a:rPr lang="en-US" altLang="ja-JP" sz="1100" b="0" i="0" dirty="0">
+                <a:solidFill>
+                  <a:srgbClr val="A31515"/>
+                </a:solidFill>
+                <a:effectLst/>
+                <a:latin typeface="IBM Plex Mono Regular"/>
+              </a:rPr>
+              <a:t>"</a:t>
             </a:r>
             <a:r>
               <a:rPr lang="en-US" altLang="ja-JP" sz="1100" b="0" i="0" dirty="0">
@@ -5576,37 +5603,7 @@
                 <a:effectLst/>
                 <a:latin typeface="IBM Plex Mono Regular"/>
               </a:rPr>
-              <a:t>"user"</a:t>
-            </a:r>
-            <a:r>
-              <a:rPr lang="en-US" altLang="ja-JP" sz="1100" b="0" i="0" dirty="0">
-                <a:solidFill>
-                  <a:srgbClr val="0451A5"/>
-                </a:solidFill>
-                <a:effectLst/>
-                <a:latin typeface="IBM Plex Mono Regular"/>
-              </a:rPr>
-              <a:t>,</a:t>
-            </a:r>
-            <a:r>
-              <a:rPr lang="en-US" altLang="ja-JP" sz="1100" b="0" i="0" dirty="0">
-                <a:solidFill>
-                  <a:srgbClr val="000000"/>
-                </a:solidFill>
-                <a:effectLst/>
-                <a:latin typeface="IBM Plex Mono Regular"/>
-              </a:rPr>
-              <a:t> </a:t>
-            </a:r>
-            <a:r>
-              <a:rPr lang="en-US" altLang="ja-JP" sz="1100" b="0" i="0" dirty="0">
-                <a:solidFill>
-                  <a:srgbClr val="A31515"/>
-                </a:solidFill>
-                <a:effectLst/>
-                <a:latin typeface="IBM Plex Mono Regular"/>
-              </a:rPr>
-              <a:t>"admin"</a:t>
+              <a:t>“user”</a:t>
             </a:r>
             <a:r>
               <a:rPr lang="en-US" altLang="ja-JP" sz="1100" b="0" i="0" dirty="0">
@@ -5976,7 +5973,7 @@
         <p:spPr>
           <a:xfrm>
             <a:off x="309804" y="798708"/>
-            <a:ext cx="6186309" cy="430887"/>
+            <a:ext cx="6250429" cy="430887"/>
           </a:xfrm>
           <a:prstGeom prst="rect">
             <a:avLst/>
@@ -6053,7 +6050,7 @@
                 <a:effectLst/>
                 <a:latin typeface="Consolas" panose="020B0609020204030204" pitchFamily="49" charset="0"/>
               </a:rPr>
-              <a:t>$JWT_ACCESS_TOKEN_SECRET</a:t>
+              <a:t>${JWT_ACCESS_TOKEN_SECRET}</a:t>
             </a:r>
             <a:r>
               <a:rPr lang="en-US" altLang="ja-JP" sz="1100" b="0" dirty="0">
@@ -6454,6 +6451,2032 @@
     <p:extLst>
       <p:ext uri="{BB962C8B-B14F-4D97-AF65-F5344CB8AC3E}">
         <p14:creationId xmlns:p14="http://schemas.microsoft.com/office/powerpoint/2010/main" val="2932356210"/>
+      </p:ext>
+    </p:extLst>
+  </p:cSld>
+  <p:clrMapOvr>
+    <a:masterClrMapping/>
+  </p:clrMapOvr>
+</p:sld>
+</file>
+
+<file path=ppt/slides/slide4.xml><?xml version="1.0" encoding="utf-8"?>
+<p:sld xmlns:a="http://schemas.openxmlformats.org/drawingml/2006/main" xmlns:r="http://schemas.openxmlformats.org/officeDocument/2006/relationships" xmlns:p="http://schemas.openxmlformats.org/presentationml/2006/main">
+  <p:cSld>
+    <p:spTree>
+      <p:nvGrpSpPr>
+        <p:cNvPr id="1" name=""/>
+        <p:cNvGrpSpPr/>
+        <p:nvPr/>
+      </p:nvGrpSpPr>
+      <p:grpSpPr>
+        <a:xfrm>
+          <a:off x="0" y="0"/>
+          <a:ext cx="0" cy="0"/>
+          <a:chOff x="0" y="0"/>
+          <a:chExt cx="0" cy="0"/>
+        </a:xfrm>
+      </p:grpSpPr>
+      <p:sp>
+        <p:nvSpPr>
+          <p:cNvPr id="2" name="タイトル 1">
+            <a:extLst>
+              <a:ext uri="{FF2B5EF4-FFF2-40B4-BE49-F238E27FC236}">
+                <a16:creationId xmlns:a16="http://schemas.microsoft.com/office/drawing/2014/main" id="{52FD044C-5D6E-3E33-CB19-4E2CD7A18913}"/>
+              </a:ext>
+            </a:extLst>
+          </p:cNvPr>
+          <p:cNvSpPr>
+            <a:spLocks noGrp="1"/>
+          </p:cNvSpPr>
+          <p:nvPr>
+            <p:ph type="title"/>
+          </p:nvPr>
+        </p:nvSpPr>
+        <p:spPr>
+          <a:xfrm>
+            <a:off x="838200" y="2766218"/>
+            <a:ext cx="10515600" cy="1325563"/>
+          </a:xfrm>
+        </p:spPr>
+        <p:txBody>
+          <a:bodyPr/>
+          <a:lstStyle/>
+          <a:p>
+            <a:pPr algn="ctr"/>
+            <a:r>
+              <a:rPr lang="en-US" altLang="ja-JP" dirty="0"/>
+              <a:t>2. Authorization</a:t>
+            </a:r>
+            <a:endParaRPr kumimoji="1" lang="ja-JP" altLang="en-US" dirty="0"/>
+          </a:p>
+        </p:txBody>
+      </p:sp>
+    </p:spTree>
+    <p:extLst>
+      <p:ext uri="{BB962C8B-B14F-4D97-AF65-F5344CB8AC3E}">
+        <p14:creationId xmlns:p14="http://schemas.microsoft.com/office/powerpoint/2010/main" val="1452975260"/>
+      </p:ext>
+    </p:extLst>
+  </p:cSld>
+  <p:clrMapOvr>
+    <a:masterClrMapping/>
+  </p:clrMapOvr>
+</p:sld>
+</file>
+
+<file path=ppt/slides/slide5.xml><?xml version="1.0" encoding="utf-8"?>
+<p:sld xmlns:a="http://schemas.openxmlformats.org/drawingml/2006/main" xmlns:r="http://schemas.openxmlformats.org/officeDocument/2006/relationships" xmlns:p="http://schemas.openxmlformats.org/presentationml/2006/main">
+  <p:cSld>
+    <p:spTree>
+      <p:nvGrpSpPr>
+        <p:cNvPr id="1" name=""/>
+        <p:cNvGrpSpPr/>
+        <p:nvPr/>
+      </p:nvGrpSpPr>
+      <p:grpSpPr>
+        <a:xfrm>
+          <a:off x="0" y="0"/>
+          <a:ext cx="0" cy="0"/>
+          <a:chOff x="0" y="0"/>
+          <a:chExt cx="0" cy="0"/>
+        </a:xfrm>
+      </p:grpSpPr>
+      <p:sp>
+        <p:nvSpPr>
+          <p:cNvPr id="4" name="テキスト ボックス 3">
+            <a:extLst>
+              <a:ext uri="{FF2B5EF4-FFF2-40B4-BE49-F238E27FC236}">
+                <a16:creationId xmlns:a16="http://schemas.microsoft.com/office/drawing/2014/main" id="{0F64777C-9C17-3F85-7770-A4930CDEADD0}"/>
+              </a:ext>
+            </a:extLst>
+          </p:cNvPr>
+          <p:cNvSpPr txBox="1"/>
+          <p:nvPr/>
+        </p:nvSpPr>
+        <p:spPr>
+          <a:xfrm>
+            <a:off x="178082" y="248208"/>
+            <a:ext cx="1914307" cy="369332"/>
+          </a:xfrm>
+          <a:prstGeom prst="rect">
+            <a:avLst/>
+          </a:prstGeom>
+          <a:noFill/>
+        </p:spPr>
+        <p:txBody>
+          <a:bodyPr wrap="none" rtlCol="0">
+            <a:spAutoFit/>
+          </a:bodyPr>
+          <a:lstStyle/>
+          <a:p>
+            <a:r>
+              <a:rPr kumimoji="1" lang="en-US" altLang="ja-JP" dirty="0"/>
+              <a:t>2.1 </a:t>
+            </a:r>
+            <a:r>
+              <a:rPr kumimoji="1" lang="en-US" altLang="ja-JP" dirty="0" err="1"/>
+              <a:t>Hasura</a:t>
+            </a:r>
+            <a:r>
+              <a:rPr kumimoji="1" lang="en-US" altLang="ja-JP" dirty="0"/>
+              <a:t> roles</a:t>
+            </a:r>
+            <a:endParaRPr kumimoji="1" lang="ja-JP" altLang="en-US" dirty="0"/>
+          </a:p>
+        </p:txBody>
+      </p:sp>
+      <p:graphicFrame>
+        <p:nvGraphicFramePr>
+          <p:cNvPr id="5" name="表 5">
+            <a:extLst>
+              <a:ext uri="{FF2B5EF4-FFF2-40B4-BE49-F238E27FC236}">
+                <a16:creationId xmlns:a16="http://schemas.microsoft.com/office/drawing/2014/main" id="{9AA3099F-B22F-B572-B6D7-4EEBEEF7E321}"/>
+              </a:ext>
+            </a:extLst>
+          </p:cNvPr>
+          <p:cNvGraphicFramePr>
+            <a:graphicFrameLocks noGrp="1"/>
+          </p:cNvGraphicFramePr>
+          <p:nvPr>
+            <p:extLst>
+              <p:ext uri="{D42A27DB-BD31-4B8C-83A1-F6EECF244321}">
+                <p14:modId xmlns:p14="http://schemas.microsoft.com/office/powerpoint/2010/main" val="4186568628"/>
+              </p:ext>
+            </p:extLst>
+          </p:nvPr>
+        </p:nvGraphicFramePr>
+        <p:xfrm>
+          <a:off x="1299133" y="2111437"/>
+          <a:ext cx="9283703" cy="1874520"/>
+        </p:xfrm>
+        <a:graphic>
+          <a:graphicData uri="http://schemas.openxmlformats.org/drawingml/2006/table">
+            <a:tbl>
+              <a:tblPr firstRow="1" bandRow="1">
+                <a:tableStyleId>{5C22544A-7EE6-4342-B048-85BDC9FD1C3A}</a:tableStyleId>
+              </a:tblPr>
+              <a:tblGrid>
+                <a:gridCol w="287463">
+                  <a:extLst>
+                    <a:ext uri="{9D8B030D-6E8A-4147-A177-3AD203B41FA5}">
+                      <a16:colId xmlns:a16="http://schemas.microsoft.com/office/drawing/2014/main" val="3760163538"/>
+                    </a:ext>
+                  </a:extLst>
+                </a:gridCol>
+                <a:gridCol w="1075922">
+                  <a:extLst>
+                    <a:ext uri="{9D8B030D-6E8A-4147-A177-3AD203B41FA5}">
+                      <a16:colId xmlns:a16="http://schemas.microsoft.com/office/drawing/2014/main" val="3734357478"/>
+                    </a:ext>
+                  </a:extLst>
+                </a:gridCol>
+                <a:gridCol w="1949823">
+                  <a:extLst>
+                    <a:ext uri="{9D8B030D-6E8A-4147-A177-3AD203B41FA5}">
+                      <a16:colId xmlns:a16="http://schemas.microsoft.com/office/drawing/2014/main" val="2092693603"/>
+                    </a:ext>
+                  </a:extLst>
+                </a:gridCol>
+                <a:gridCol w="3268376">
+                  <a:extLst>
+                    <a:ext uri="{9D8B030D-6E8A-4147-A177-3AD203B41FA5}">
+                      <a16:colId xmlns:a16="http://schemas.microsoft.com/office/drawing/2014/main" val="4219177967"/>
+                    </a:ext>
+                  </a:extLst>
+                </a:gridCol>
+                <a:gridCol w="2702119">
+                  <a:extLst>
+                    <a:ext uri="{9D8B030D-6E8A-4147-A177-3AD203B41FA5}">
+                      <a16:colId xmlns:a16="http://schemas.microsoft.com/office/drawing/2014/main" val="1032687533"/>
+                    </a:ext>
+                  </a:extLst>
+                </a:gridCol>
+              </a:tblGrid>
+              <a:tr h="370840">
+                <a:tc>
+                  <a:txBody>
+                    <a:bodyPr/>
+                    <a:lstStyle/>
+                    <a:p>
+                      <a:pPr algn="ctr"/>
+                      <a:r>
+                        <a:rPr kumimoji="1" lang="en-US" altLang="ja-JP" sz="1100" dirty="0"/>
+                        <a:t>#</a:t>
+                      </a:r>
+                      <a:endParaRPr kumimoji="1" lang="ja-JP" altLang="en-US" sz="1100" dirty="0"/>
+                    </a:p>
+                  </a:txBody>
+                  <a:tcPr/>
+                </a:tc>
+                <a:tc>
+                  <a:txBody>
+                    <a:bodyPr/>
+                    <a:lstStyle/>
+                    <a:p>
+                      <a:pPr algn="ctr"/>
+                      <a:r>
+                        <a:rPr kumimoji="1" lang="en-US" altLang="ja-JP" sz="1100" dirty="0"/>
+                        <a:t>Role</a:t>
+                      </a:r>
+                      <a:endParaRPr kumimoji="1" lang="ja-JP" altLang="en-US" sz="1100" dirty="0"/>
+                    </a:p>
+                  </a:txBody>
+                  <a:tcPr/>
+                </a:tc>
+                <a:tc>
+                  <a:txBody>
+                    <a:bodyPr/>
+                    <a:lstStyle/>
+                    <a:p>
+                      <a:pPr algn="ctr"/>
+                      <a:r>
+                        <a:rPr kumimoji="1" lang="en-US" altLang="ja-JP" sz="1100" dirty="0" err="1"/>
+                        <a:t>Permisison</a:t>
+                      </a:r>
+                      <a:endParaRPr kumimoji="1" lang="ja-JP" altLang="en-US" sz="1100" dirty="0"/>
+                    </a:p>
+                  </a:txBody>
+                  <a:tcPr/>
+                </a:tc>
+                <a:tc>
+                  <a:txBody>
+                    <a:bodyPr/>
+                    <a:lstStyle/>
+                    <a:p>
+                      <a:pPr algn="ctr"/>
+                      <a:r>
+                        <a:rPr kumimoji="1" lang="en-US" altLang="ja-JP" sz="1100" dirty="0"/>
+                        <a:t>Attach</a:t>
+                      </a:r>
+                      <a:endParaRPr kumimoji="1" lang="ja-JP" altLang="en-US" sz="1100" dirty="0"/>
+                    </a:p>
+                  </a:txBody>
+                  <a:tcPr/>
+                </a:tc>
+                <a:tc>
+                  <a:txBody>
+                    <a:bodyPr/>
+                    <a:lstStyle/>
+                    <a:p>
+                      <a:pPr algn="ctr"/>
+                      <a:r>
+                        <a:rPr kumimoji="1" lang="en-US" altLang="ja-JP" sz="1100" dirty="0"/>
+                        <a:t>Description</a:t>
+                      </a:r>
+                      <a:endParaRPr kumimoji="1" lang="ja-JP" altLang="en-US" sz="1100" dirty="0"/>
+                    </a:p>
+                  </a:txBody>
+                  <a:tcPr/>
+                </a:tc>
+                <a:extLst>
+                  <a:ext uri="{0D108BD9-81ED-4DB2-BD59-A6C34878D82A}">
+                    <a16:rowId xmlns:a16="http://schemas.microsoft.com/office/drawing/2014/main" val="394385189"/>
+                  </a:ext>
+                </a:extLst>
+              </a:tr>
+              <a:tr h="370840">
+                <a:tc>
+                  <a:txBody>
+                    <a:bodyPr/>
+                    <a:lstStyle/>
+                    <a:p>
+                      <a:pPr algn="ctr"/>
+                      <a:r>
+                        <a:rPr kumimoji="1" lang="en-US" altLang="ja-JP" sz="1100" dirty="0"/>
+                        <a:t>1</a:t>
+                      </a:r>
+                      <a:endParaRPr kumimoji="1" lang="ja-JP" altLang="en-US" sz="1100" dirty="0"/>
+                    </a:p>
+                  </a:txBody>
+                  <a:tcPr/>
+                </a:tc>
+                <a:tc>
+                  <a:txBody>
+                    <a:bodyPr/>
+                    <a:lstStyle/>
+                    <a:p>
+                      <a:r>
+                        <a:rPr kumimoji="1" lang="en-US" altLang="ja-JP" sz="1100" dirty="0"/>
+                        <a:t>admin</a:t>
+                      </a:r>
+                      <a:endParaRPr kumimoji="1" lang="ja-JP" altLang="en-US" sz="1100" dirty="0"/>
+                    </a:p>
+                  </a:txBody>
+                  <a:tcPr/>
+                </a:tc>
+                <a:tc>
+                  <a:txBody>
+                    <a:bodyPr/>
+                    <a:lstStyle/>
+                    <a:p>
+                      <a:r>
+                        <a:rPr kumimoji="1" lang="en-US" altLang="ja-JP" sz="1100" dirty="0"/>
+                        <a:t>Full permissions all tables</a:t>
+                      </a:r>
+                      <a:endParaRPr kumimoji="1" lang="ja-JP" altLang="en-US" sz="1100" dirty="0"/>
+                    </a:p>
+                  </a:txBody>
+                  <a:tcPr/>
+                </a:tc>
+                <a:tc rowSpan="2">
+                  <a:txBody>
+                    <a:bodyPr/>
+                    <a:lstStyle/>
+                    <a:p>
+                      <a:r>
+                        <a:rPr lang="en-US" altLang="ja-JP" sz="1000" b="0" i="0" dirty="0">
+                          <a:solidFill>
+                            <a:srgbClr val="000000"/>
+                          </a:solidFill>
+                          <a:effectLst/>
+                          <a:latin typeface="Consolas" panose="020B0609020204030204" pitchFamily="49" charset="0"/>
+                        </a:rPr>
+                        <a:t>Header: {“Authorization": </a:t>
+                      </a:r>
+                      <a:r>
+                        <a:rPr lang="en-US" altLang="ja-JP" sz="1000" b="0" i="0" dirty="0">
+                          <a:solidFill>
+                            <a:srgbClr val="C00000"/>
+                          </a:solidFill>
+                          <a:effectLst/>
+                          <a:latin typeface="Consolas" panose="020B0609020204030204" pitchFamily="49" charset="0"/>
+                        </a:rPr>
+                        <a:t>“Bearer ... (*)"</a:t>
+                      </a:r>
+                      <a:r>
+                        <a:rPr lang="en-US" altLang="ja-JP" sz="1000" b="0" i="0" dirty="0">
+                          <a:effectLst/>
+                          <a:latin typeface="Consolas" panose="020B0609020204030204" pitchFamily="49" charset="0"/>
+                        </a:rPr>
+                        <a:t>}</a:t>
+                      </a:r>
+                      <a:endParaRPr kumimoji="1" lang="ja-JP" altLang="en-US" sz="1000" b="0" dirty="0">
+                        <a:latin typeface="Consolas" panose="020B0609020204030204" pitchFamily="49" charset="0"/>
+                      </a:endParaRPr>
+                    </a:p>
+                  </a:txBody>
+                  <a:tcPr/>
+                </a:tc>
+                <a:tc>
+                  <a:txBody>
+                    <a:bodyPr/>
+                    <a:lstStyle/>
+                    <a:p>
+                      <a:r>
+                        <a:rPr kumimoji="1" lang="en-US" altLang="ja-JP" sz="1100" dirty="0"/>
+                        <a:t>- </a:t>
+                      </a:r>
+                      <a:r>
+                        <a:rPr kumimoji="1" lang="en-US" altLang="ja-JP" sz="1100" dirty="0" err="1"/>
+                        <a:t>Hasura’s</a:t>
+                      </a:r>
+                      <a:r>
+                        <a:rPr kumimoji="1" lang="en-US" altLang="ja-JP" sz="1100" dirty="0"/>
+                        <a:t> default role</a:t>
+                      </a:r>
+                      <a:endParaRPr kumimoji="1" lang="ja-JP" altLang="en-US" sz="1100" dirty="0"/>
+                    </a:p>
+                  </a:txBody>
+                  <a:tcPr/>
+                </a:tc>
+                <a:extLst>
+                  <a:ext uri="{0D108BD9-81ED-4DB2-BD59-A6C34878D82A}">
+                    <a16:rowId xmlns:a16="http://schemas.microsoft.com/office/drawing/2014/main" val="2542342019"/>
+                  </a:ext>
+                </a:extLst>
+              </a:tr>
+              <a:tr h="370840">
+                <a:tc>
+                  <a:txBody>
+                    <a:bodyPr/>
+                    <a:lstStyle/>
+                    <a:p>
+                      <a:pPr algn="ctr"/>
+                      <a:r>
+                        <a:rPr kumimoji="1" lang="en-US" altLang="ja-JP" sz="1100" dirty="0"/>
+                        <a:t>2</a:t>
+                      </a:r>
+                      <a:endParaRPr kumimoji="1" lang="ja-JP" altLang="en-US" sz="1100" dirty="0"/>
+                    </a:p>
+                  </a:txBody>
+                  <a:tcPr/>
+                </a:tc>
+                <a:tc>
+                  <a:txBody>
+                    <a:bodyPr/>
+                    <a:lstStyle/>
+                    <a:p>
+                      <a:r>
+                        <a:rPr kumimoji="1" lang="en-US" altLang="ja-JP" sz="1100" dirty="0"/>
+                        <a:t>user</a:t>
+                      </a:r>
+                      <a:endParaRPr kumimoji="1" lang="ja-JP" altLang="en-US" sz="1100" dirty="0"/>
+                    </a:p>
+                  </a:txBody>
+                  <a:tcPr/>
+                </a:tc>
+                <a:tc>
+                  <a:txBody>
+                    <a:bodyPr/>
+                    <a:lstStyle/>
+                    <a:p>
+                      <a:r>
+                        <a:rPr kumimoji="1" lang="en-US" altLang="ja-JP" sz="1100" dirty="0"/>
+                        <a:t>Assigned permissions</a:t>
+                      </a:r>
+                      <a:endParaRPr kumimoji="1" lang="ja-JP" altLang="en-US" sz="1100" dirty="0"/>
+                    </a:p>
+                  </a:txBody>
+                  <a:tcPr/>
+                </a:tc>
+                <a:tc vMerge="1">
+                  <a:txBody>
+                    <a:bodyPr/>
+                    <a:lstStyle/>
+                    <a:p>
+                      <a:endParaRPr kumimoji="1" lang="ja-JP" altLang="en-US" sz="1100" dirty="0"/>
+                    </a:p>
+                  </a:txBody>
+                  <a:tcPr/>
+                </a:tc>
+                <a:tc>
+                  <a:txBody>
+                    <a:bodyPr/>
+                    <a:lstStyle/>
+                    <a:p>
+                      <a:r>
+                        <a:rPr kumimoji="1" lang="en-US" altLang="ja-JP" sz="1100" dirty="0"/>
+                        <a:t>- Add manual on </a:t>
+                      </a:r>
+                      <a:r>
+                        <a:rPr kumimoji="1" lang="en-US" altLang="ja-JP" sz="1100" dirty="0" err="1"/>
+                        <a:t>hasura</a:t>
+                      </a:r>
+                      <a:r>
+                        <a:rPr kumimoji="1" lang="en-US" altLang="ja-JP" sz="1100" dirty="0"/>
+                        <a:t> console</a:t>
+                      </a:r>
+                      <a:endParaRPr kumimoji="1" lang="ja-JP" altLang="en-US" sz="1100" dirty="0"/>
+                    </a:p>
+                  </a:txBody>
+                  <a:tcPr/>
+                </a:tc>
+                <a:extLst>
+                  <a:ext uri="{0D108BD9-81ED-4DB2-BD59-A6C34878D82A}">
+                    <a16:rowId xmlns:a16="http://schemas.microsoft.com/office/drawing/2014/main" val="3720730370"/>
+                  </a:ext>
+                </a:extLst>
+              </a:tr>
+              <a:tr h="370840">
+                <a:tc>
+                  <a:txBody>
+                    <a:bodyPr/>
+                    <a:lstStyle/>
+                    <a:p>
+                      <a:pPr algn="ctr"/>
+                      <a:r>
+                        <a:rPr kumimoji="1" lang="en-US" altLang="ja-JP" sz="1100" dirty="0"/>
+                        <a:t>3</a:t>
+                      </a:r>
+                      <a:endParaRPr kumimoji="1" lang="ja-JP" altLang="en-US" sz="1100" dirty="0"/>
+                    </a:p>
+                  </a:txBody>
+                  <a:tcPr/>
+                </a:tc>
+                <a:tc>
+                  <a:txBody>
+                    <a:bodyPr/>
+                    <a:lstStyle/>
+                    <a:p>
+                      <a:r>
+                        <a:rPr kumimoji="1" lang="en-US" altLang="ja-JP" sz="1100" dirty="0"/>
+                        <a:t>anonymous</a:t>
+                      </a:r>
+                      <a:endParaRPr kumimoji="1" lang="ja-JP" altLang="en-US" sz="1100" dirty="0"/>
+                    </a:p>
+                  </a:txBody>
+                  <a:tcPr/>
+                </a:tc>
+                <a:tc>
+                  <a:txBody>
+                    <a:bodyPr/>
+                    <a:lstStyle/>
+                    <a:p>
+                      <a:pPr marL="0" marR="0" lvl="0" indent="0" algn="l" defTabSz="914400" rtl="0" eaLnBrk="1" fontAlgn="auto" latinLnBrk="0" hangingPunct="1">
+                        <a:lnSpc>
+                          <a:spcPct val="100000"/>
+                        </a:lnSpc>
+                        <a:spcBef>
+                          <a:spcPts val="0"/>
+                        </a:spcBef>
+                        <a:spcAft>
+                          <a:spcPts val="0"/>
+                        </a:spcAft>
+                        <a:buClrTx/>
+                        <a:buSzTx/>
+                        <a:buFontTx/>
+                        <a:buNone/>
+                        <a:tabLst/>
+                        <a:defRPr/>
+                      </a:pPr>
+                      <a:r>
+                        <a:rPr kumimoji="1" lang="en-US" altLang="ja-JP" sz="1100" dirty="0"/>
+                        <a:t>Assigned permissions</a:t>
+                      </a:r>
+                      <a:endParaRPr kumimoji="1" lang="ja-JP" altLang="en-US" sz="1100" dirty="0"/>
+                    </a:p>
+                  </a:txBody>
+                  <a:tcPr/>
+                </a:tc>
+                <a:tc>
+                  <a:txBody>
+                    <a:bodyPr/>
+                    <a:lstStyle/>
+                    <a:p>
+                      <a:pPr marL="0" marR="0" lvl="0" indent="0" algn="l" defTabSz="914400" rtl="0" eaLnBrk="1" fontAlgn="auto" latinLnBrk="0" hangingPunct="1">
+                        <a:lnSpc>
+                          <a:spcPct val="100000"/>
+                        </a:lnSpc>
+                        <a:spcBef>
+                          <a:spcPts val="0"/>
+                        </a:spcBef>
+                        <a:spcAft>
+                          <a:spcPts val="0"/>
+                        </a:spcAft>
+                        <a:buClrTx/>
+                        <a:buSzTx/>
+                        <a:buFontTx/>
+                        <a:buNone/>
+                        <a:tabLst/>
+                        <a:defRPr/>
+                      </a:pPr>
+                      <a:r>
+                        <a:rPr lang="en-US" altLang="ja-JP" sz="1000" b="0" i="0" dirty="0">
+                          <a:solidFill>
+                            <a:srgbClr val="000000"/>
+                          </a:solidFill>
+                          <a:effectLst/>
+                          <a:latin typeface="Consolas" panose="020B0609020204030204" pitchFamily="49" charset="0"/>
+                        </a:rPr>
+                        <a:t>Header: {"X-</a:t>
+                      </a:r>
+                      <a:r>
+                        <a:rPr lang="en-US" altLang="ja-JP" sz="1000" b="0" i="0" dirty="0" err="1">
+                          <a:solidFill>
+                            <a:srgbClr val="000000"/>
+                          </a:solidFill>
+                          <a:effectLst/>
+                          <a:latin typeface="Consolas" panose="020B0609020204030204" pitchFamily="49" charset="0"/>
+                        </a:rPr>
+                        <a:t>Hasura</a:t>
+                      </a:r>
+                      <a:r>
+                        <a:rPr lang="en-US" altLang="ja-JP" sz="1000" b="0" i="0" dirty="0">
+                          <a:solidFill>
+                            <a:srgbClr val="000000"/>
+                          </a:solidFill>
+                          <a:effectLst/>
+                          <a:latin typeface="Consolas" panose="020B0609020204030204" pitchFamily="49" charset="0"/>
+                        </a:rPr>
+                        <a:t>-Role": </a:t>
+                      </a:r>
+                      <a:r>
+                        <a:rPr lang="en-US" altLang="ja-JP" sz="1000" b="0" i="0" dirty="0">
+                          <a:solidFill>
+                            <a:srgbClr val="C00000"/>
+                          </a:solidFill>
+                          <a:effectLst/>
+                          <a:latin typeface="Consolas" panose="020B0609020204030204" pitchFamily="49" charset="0"/>
+                        </a:rPr>
+                        <a:t>“anonymous"</a:t>
+                      </a:r>
+                      <a:r>
+                        <a:rPr lang="en-US" altLang="ja-JP" sz="1000" b="0" i="0" dirty="0">
+                          <a:effectLst/>
+                          <a:latin typeface="Consolas" panose="020B0609020204030204" pitchFamily="49" charset="0"/>
+                        </a:rPr>
+                        <a:t>}</a:t>
+                      </a:r>
+                      <a:endParaRPr kumimoji="1" lang="ja-JP" altLang="en-US" sz="1000" b="0" dirty="0">
+                        <a:latin typeface="Consolas" panose="020B0609020204030204" pitchFamily="49" charset="0"/>
+                      </a:endParaRPr>
+                    </a:p>
+                    <a:p>
+                      <a:pPr marL="0" marR="0" lvl="0" indent="0" algn="l" defTabSz="914400" rtl="0" eaLnBrk="1" fontAlgn="auto" latinLnBrk="0" hangingPunct="1">
+                        <a:lnSpc>
+                          <a:spcPct val="100000"/>
+                        </a:lnSpc>
+                        <a:spcBef>
+                          <a:spcPts val="0"/>
+                        </a:spcBef>
+                        <a:spcAft>
+                          <a:spcPts val="0"/>
+                        </a:spcAft>
+                        <a:buClrTx/>
+                        <a:buSzTx/>
+                        <a:buFontTx/>
+                        <a:buNone/>
+                        <a:tabLst/>
+                        <a:defRPr/>
+                      </a:pPr>
+                      <a:endParaRPr kumimoji="1" lang="ja-JP" altLang="en-US" sz="1100" dirty="0"/>
+                    </a:p>
+                  </a:txBody>
+                  <a:tcPr/>
+                </a:tc>
+                <a:tc>
+                  <a:txBody>
+                    <a:bodyPr/>
+                    <a:lstStyle/>
+                    <a:p>
+                      <a:pPr marL="0" marR="0" lvl="0" indent="0" algn="l" defTabSz="914400" rtl="0" eaLnBrk="1" fontAlgn="auto" latinLnBrk="0" hangingPunct="1">
+                        <a:lnSpc>
+                          <a:spcPct val="100000"/>
+                        </a:lnSpc>
+                        <a:spcBef>
+                          <a:spcPts val="0"/>
+                        </a:spcBef>
+                        <a:spcAft>
+                          <a:spcPts val="0"/>
+                        </a:spcAft>
+                        <a:buClrTx/>
+                        <a:buSzTx/>
+                        <a:buFontTx/>
+                        <a:buNone/>
+                        <a:tabLst/>
+                        <a:defRPr/>
+                      </a:pPr>
+                      <a:r>
+                        <a:rPr kumimoji="1" lang="en-US" altLang="ja-JP" sz="1100" dirty="0"/>
+                        <a:t>- Add manual on </a:t>
+                      </a:r>
+                      <a:r>
+                        <a:rPr kumimoji="1" lang="en-US" altLang="ja-JP" sz="1100" dirty="0" err="1"/>
+                        <a:t>hasura</a:t>
+                      </a:r>
+                      <a:r>
+                        <a:rPr kumimoji="1" lang="en-US" altLang="ja-JP" sz="1100" dirty="0"/>
+                        <a:t> console</a:t>
+                      </a:r>
+                      <a:br>
+                        <a:rPr kumimoji="1" lang="en-US" altLang="ja-JP" sz="1100" dirty="0"/>
+                      </a:br>
+                      <a:r>
+                        <a:rPr kumimoji="1" lang="en-US" altLang="ja-JP" sz="1100" dirty="0"/>
+                        <a:t>- Set</a:t>
+                      </a:r>
+                      <a:r>
+                        <a:rPr kumimoji="1" lang="ja-JP" altLang="en-US" sz="1100" dirty="0"/>
+                        <a:t> </a:t>
+                      </a:r>
+                      <a:r>
+                        <a:rPr kumimoji="1" lang="en-US" altLang="ja-JP" sz="1100" dirty="0"/>
+                        <a:t>HASURA_GRAPHQL_UNAUTHORIZED_ROLE</a:t>
+                      </a:r>
+                      <a:endParaRPr kumimoji="1" lang="ja-JP" altLang="en-US" sz="1100" dirty="0"/>
+                    </a:p>
+                  </a:txBody>
+                  <a:tcPr/>
+                </a:tc>
+                <a:extLst>
+                  <a:ext uri="{0D108BD9-81ED-4DB2-BD59-A6C34878D82A}">
+                    <a16:rowId xmlns:a16="http://schemas.microsoft.com/office/drawing/2014/main" val="3694502933"/>
+                  </a:ext>
+                </a:extLst>
+              </a:tr>
+            </a:tbl>
+          </a:graphicData>
+        </a:graphic>
+      </p:graphicFrame>
+      <p:sp>
+        <p:nvSpPr>
+          <p:cNvPr id="7" name="テキスト ボックス 6">
+            <a:extLst>
+              <a:ext uri="{FF2B5EF4-FFF2-40B4-BE49-F238E27FC236}">
+                <a16:creationId xmlns:a16="http://schemas.microsoft.com/office/drawing/2014/main" id="{15FC4BA9-BC95-CF6E-D955-F4A45715DCF7}"/>
+              </a:ext>
+            </a:extLst>
+          </p:cNvPr>
+          <p:cNvSpPr txBox="1"/>
+          <p:nvPr/>
+        </p:nvSpPr>
+        <p:spPr>
+          <a:xfrm>
+            <a:off x="107828" y="5773938"/>
+            <a:ext cx="4007828" cy="938719"/>
+          </a:xfrm>
+          <a:prstGeom prst="rect">
+            <a:avLst/>
+          </a:prstGeom>
+          <a:noFill/>
+        </p:spPr>
+        <p:txBody>
+          <a:bodyPr wrap="none" rtlCol="0">
+            <a:spAutoFit/>
+          </a:bodyPr>
+          <a:lstStyle/>
+          <a:p>
+            <a:r>
+              <a:rPr lang="en-US" altLang="ja-JP" sz="1100" b="0" i="0" dirty="0">
+                <a:solidFill>
+                  <a:srgbClr val="000000"/>
+                </a:solidFill>
+                <a:effectLst/>
+                <a:latin typeface="Consolas" panose="020B0609020204030204" pitchFamily="49" charset="0"/>
+              </a:rPr>
+              <a:t>(*) </a:t>
+            </a:r>
+            <a:r>
+              <a:rPr lang="en-US" altLang="ja-JP" sz="1100" b="0" i="0" dirty="0" err="1">
+                <a:solidFill>
+                  <a:srgbClr val="000000"/>
+                </a:solidFill>
+                <a:effectLst/>
+                <a:latin typeface="Consolas" panose="020B0609020204030204" pitchFamily="49" charset="0"/>
+              </a:rPr>
+              <a:t>accessToken</a:t>
+            </a:r>
+            <a:r>
+              <a:rPr lang="en-US" altLang="ja-JP" sz="1100" b="0" i="0" dirty="0">
+                <a:solidFill>
+                  <a:srgbClr val="000000"/>
+                </a:solidFill>
+                <a:effectLst/>
+                <a:latin typeface="Consolas" panose="020B0609020204030204" pitchFamily="49" charset="0"/>
+              </a:rPr>
+              <a:t>: {</a:t>
+            </a:r>
+            <a:br>
+              <a:rPr lang="en-US" altLang="ja-JP" sz="1100" b="0" i="0" dirty="0">
+                <a:solidFill>
+                  <a:srgbClr val="000000"/>
+                </a:solidFill>
+                <a:effectLst/>
+                <a:latin typeface="Consolas" panose="020B0609020204030204" pitchFamily="49" charset="0"/>
+              </a:rPr>
+            </a:br>
+            <a:r>
+              <a:rPr lang="en-US" altLang="ja-JP" sz="1100" b="0" i="0" dirty="0">
+                <a:solidFill>
+                  <a:srgbClr val="000000"/>
+                </a:solidFill>
+                <a:effectLst/>
+                <a:latin typeface="Consolas" panose="020B0609020204030204" pitchFamily="49" charset="0"/>
+              </a:rPr>
+              <a:t>   </a:t>
+            </a:r>
+            <a:r>
+              <a:rPr lang="en-US" altLang="ja-JP" sz="1100" b="0" i="0" dirty="0">
+                <a:solidFill>
+                  <a:srgbClr val="000000"/>
+                </a:solidFill>
+                <a:effectLst/>
+                <a:latin typeface="IBM Plex Mono Regular"/>
+              </a:rPr>
+              <a:t>"x-</a:t>
+            </a:r>
+            <a:r>
+              <a:rPr lang="en-US" altLang="ja-JP" sz="1100" b="0" i="0" dirty="0" err="1">
+                <a:solidFill>
+                  <a:srgbClr val="000000"/>
+                </a:solidFill>
+                <a:effectLst/>
+                <a:latin typeface="IBM Plex Mono Regular"/>
+              </a:rPr>
+              <a:t>hasura</a:t>
+            </a:r>
+            <a:r>
+              <a:rPr lang="en-US" altLang="ja-JP" sz="1100" b="0" i="0" dirty="0">
+                <a:solidFill>
+                  <a:srgbClr val="000000"/>
+                </a:solidFill>
+                <a:effectLst/>
+                <a:latin typeface="IBM Plex Mono Regular"/>
+              </a:rPr>
+              <a:t>-default-role": </a:t>
+            </a:r>
+            <a:r>
+              <a:rPr lang="en-US" altLang="ja-JP" sz="1100" b="0" i="0" dirty="0">
+                <a:solidFill>
+                  <a:srgbClr val="A31515"/>
+                </a:solidFill>
+                <a:effectLst/>
+                <a:latin typeface="IBM Plex Mono Regular"/>
+              </a:rPr>
+              <a:t>“</a:t>
+            </a:r>
+            <a:r>
+              <a:rPr lang="en-US" altLang="ja-JP" sz="1100" dirty="0">
+                <a:solidFill>
+                  <a:srgbClr val="A31515"/>
+                </a:solidFill>
+                <a:latin typeface="IBM Plex Mono Regular"/>
+              </a:rPr>
+              <a:t>admin</a:t>
+            </a:r>
+            <a:r>
+              <a:rPr lang="en-US" altLang="ja-JP" sz="1100" b="0" i="0" dirty="0">
+                <a:solidFill>
+                  <a:srgbClr val="A31515"/>
+                </a:solidFill>
+                <a:effectLst/>
+                <a:latin typeface="IBM Plex Mono Regular"/>
+              </a:rPr>
+              <a:t>"</a:t>
+            </a:r>
+            <a:r>
+              <a:rPr lang="en-US" altLang="ja-JP" sz="1100" b="0" i="0" dirty="0">
+                <a:solidFill>
+                  <a:srgbClr val="0451A5"/>
+                </a:solidFill>
+                <a:effectLst/>
+                <a:latin typeface="IBM Plex Mono Regular"/>
+              </a:rPr>
+              <a:t>,</a:t>
+            </a:r>
+            <a:br>
+              <a:rPr lang="en-US" altLang="ja-JP" sz="1100" b="0" i="0" dirty="0">
+                <a:solidFill>
+                  <a:srgbClr val="000000"/>
+                </a:solidFill>
+                <a:effectLst/>
+                <a:latin typeface="IBM Plex Mono Regular"/>
+              </a:rPr>
+            </a:br>
+            <a:r>
+              <a:rPr lang="en-US" altLang="ja-JP" sz="1100" b="0" i="0" dirty="0">
+                <a:solidFill>
+                  <a:srgbClr val="000000"/>
+                </a:solidFill>
+                <a:effectLst/>
+                <a:latin typeface="IBM Plex Mono Regular"/>
+              </a:rPr>
+              <a:t>   "x-</a:t>
+            </a:r>
+            <a:r>
+              <a:rPr lang="en-US" altLang="ja-JP" sz="1100" b="0" i="0" dirty="0" err="1">
+                <a:solidFill>
+                  <a:srgbClr val="000000"/>
+                </a:solidFill>
+                <a:effectLst/>
+                <a:latin typeface="IBM Plex Mono Regular"/>
+              </a:rPr>
+              <a:t>hasura</a:t>
+            </a:r>
+            <a:r>
+              <a:rPr lang="en-US" altLang="ja-JP" sz="1100" b="0" i="0" dirty="0">
+                <a:solidFill>
+                  <a:srgbClr val="000000"/>
+                </a:solidFill>
+                <a:effectLst/>
+                <a:latin typeface="IBM Plex Mono Regular"/>
+              </a:rPr>
+              <a:t>-allowed-roles": </a:t>
+            </a:r>
+            <a:r>
+              <a:rPr lang="en-US" altLang="ja-JP" sz="1100" b="0" i="0" dirty="0">
+                <a:solidFill>
+                  <a:srgbClr val="0451A5"/>
+                </a:solidFill>
+                <a:effectLst/>
+                <a:latin typeface="IBM Plex Mono Regular"/>
+              </a:rPr>
+              <a:t>[</a:t>
+            </a:r>
+            <a:r>
+              <a:rPr lang="en-US" altLang="ja-JP" sz="1100" b="0" i="0" dirty="0">
+                <a:solidFill>
+                  <a:srgbClr val="A31515"/>
+                </a:solidFill>
+                <a:effectLst/>
+                <a:latin typeface="IBM Plex Mono Regular"/>
+              </a:rPr>
+              <a:t>“user, admin”</a:t>
+            </a:r>
+            <a:r>
+              <a:rPr lang="en-US" altLang="ja-JP" sz="1100" b="0" i="0" dirty="0">
+                <a:solidFill>
+                  <a:srgbClr val="0451A5"/>
+                </a:solidFill>
+                <a:effectLst/>
+                <a:latin typeface="IBM Plex Mono Regular"/>
+              </a:rPr>
+              <a:t>],</a:t>
+            </a:r>
+            <a:br>
+              <a:rPr lang="en-US" altLang="ja-JP" sz="1100" b="0" i="0" dirty="0">
+                <a:solidFill>
+                  <a:srgbClr val="000000"/>
+                </a:solidFill>
+                <a:effectLst/>
+                <a:latin typeface="IBM Plex Mono Regular"/>
+              </a:rPr>
+            </a:br>
+            <a:r>
+              <a:rPr lang="en-US" altLang="ja-JP" sz="1100" b="0" i="0" dirty="0">
+                <a:solidFill>
+                  <a:srgbClr val="000000"/>
+                </a:solidFill>
+                <a:effectLst/>
+                <a:latin typeface="IBM Plex Mono Regular"/>
+              </a:rPr>
+              <a:t>   "x-</a:t>
+            </a:r>
+            <a:r>
+              <a:rPr lang="en-US" altLang="ja-JP" sz="1100" b="0" i="0" dirty="0" err="1">
+                <a:solidFill>
+                  <a:srgbClr val="000000"/>
+                </a:solidFill>
+                <a:effectLst/>
+                <a:latin typeface="IBM Plex Mono Regular"/>
+              </a:rPr>
+              <a:t>hasura</a:t>
+            </a:r>
+            <a:r>
+              <a:rPr lang="en-US" altLang="ja-JP" sz="1100" b="0" i="0" dirty="0">
+                <a:solidFill>
+                  <a:srgbClr val="000000"/>
+                </a:solidFill>
+                <a:effectLst/>
+                <a:latin typeface="IBM Plex Mono Regular"/>
+              </a:rPr>
+              <a:t>-user-id": </a:t>
+            </a:r>
+            <a:r>
+              <a:rPr lang="en-US" altLang="ja-JP" sz="1100" b="0" i="0" dirty="0">
+                <a:solidFill>
+                  <a:srgbClr val="A31515"/>
+                </a:solidFill>
+                <a:effectLst/>
+                <a:latin typeface="IBM Plex Mono Regular"/>
+              </a:rPr>
+              <a:t>"123“</a:t>
+            </a:r>
+            <a:br>
+              <a:rPr lang="en-US" altLang="ja-JP" sz="1100" dirty="0">
+                <a:solidFill>
+                  <a:srgbClr val="0451A5"/>
+                </a:solidFill>
+                <a:latin typeface="IBM Plex Mono Regular"/>
+              </a:rPr>
+            </a:br>
+            <a:r>
+              <a:rPr lang="en-US" altLang="ja-JP" sz="1100" b="0" i="0" dirty="0">
+                <a:solidFill>
+                  <a:srgbClr val="000000"/>
+                </a:solidFill>
+                <a:effectLst/>
+                <a:latin typeface="Consolas" panose="020B0609020204030204" pitchFamily="49" charset="0"/>
+              </a:rPr>
+              <a:t>}</a:t>
+            </a:r>
+            <a:endParaRPr kumimoji="1" lang="ja-JP" altLang="en-US" sz="1100" dirty="0">
+              <a:latin typeface="Consolas" panose="020B0609020204030204" pitchFamily="49" charset="0"/>
+            </a:endParaRPr>
+          </a:p>
+        </p:txBody>
+      </p:sp>
+    </p:spTree>
+    <p:extLst>
+      <p:ext uri="{BB962C8B-B14F-4D97-AF65-F5344CB8AC3E}">
+        <p14:creationId xmlns:p14="http://schemas.microsoft.com/office/powerpoint/2010/main" val="2663052552"/>
+      </p:ext>
+    </p:extLst>
+  </p:cSld>
+  <p:clrMapOvr>
+    <a:masterClrMapping/>
+  </p:clrMapOvr>
+</p:sld>
+</file>
+
+<file path=ppt/slides/slide6.xml><?xml version="1.0" encoding="utf-8"?>
+<p:sld xmlns:a="http://schemas.openxmlformats.org/drawingml/2006/main" xmlns:r="http://schemas.openxmlformats.org/officeDocument/2006/relationships" xmlns:p="http://schemas.openxmlformats.org/presentationml/2006/main">
+  <p:cSld>
+    <p:spTree>
+      <p:nvGrpSpPr>
+        <p:cNvPr id="1" name=""/>
+        <p:cNvGrpSpPr/>
+        <p:nvPr/>
+      </p:nvGrpSpPr>
+      <p:grpSpPr>
+        <a:xfrm>
+          <a:off x="0" y="0"/>
+          <a:ext cx="0" cy="0"/>
+          <a:chOff x="0" y="0"/>
+          <a:chExt cx="0" cy="0"/>
+        </a:xfrm>
+      </p:grpSpPr>
+      <p:sp>
+        <p:nvSpPr>
+          <p:cNvPr id="4" name="テキスト ボックス 3">
+            <a:extLst>
+              <a:ext uri="{FF2B5EF4-FFF2-40B4-BE49-F238E27FC236}">
+                <a16:creationId xmlns:a16="http://schemas.microsoft.com/office/drawing/2014/main" id="{0F64777C-9C17-3F85-7770-A4930CDEADD0}"/>
+              </a:ext>
+            </a:extLst>
+          </p:cNvPr>
+          <p:cNvSpPr txBox="1"/>
+          <p:nvPr/>
+        </p:nvSpPr>
+        <p:spPr>
+          <a:xfrm>
+            <a:off x="178082" y="248208"/>
+            <a:ext cx="7051930" cy="369332"/>
+          </a:xfrm>
+          <a:prstGeom prst="rect">
+            <a:avLst/>
+          </a:prstGeom>
+          <a:noFill/>
+        </p:spPr>
+        <p:txBody>
+          <a:bodyPr wrap="none" rtlCol="0">
+            <a:spAutoFit/>
+          </a:bodyPr>
+          <a:lstStyle/>
+          <a:p>
+            <a:r>
+              <a:rPr kumimoji="1" lang="en-US" altLang="ja-JP" dirty="0"/>
+              <a:t>2.2 Custom roles (table roles) + </a:t>
+            </a:r>
+            <a:r>
+              <a:rPr kumimoji="1" lang="en-US" altLang="ja-JP" dirty="0" err="1"/>
+              <a:t>pemissions</a:t>
+            </a:r>
+            <a:r>
+              <a:rPr kumimoji="1" lang="en-US" altLang="ja-JP" dirty="0"/>
+              <a:t> (table permissions)</a:t>
+            </a:r>
+            <a:endParaRPr kumimoji="1" lang="ja-JP" altLang="en-US" dirty="0"/>
+          </a:p>
+        </p:txBody>
+      </p:sp>
+      <p:graphicFrame>
+        <p:nvGraphicFramePr>
+          <p:cNvPr id="5" name="表 5">
+            <a:extLst>
+              <a:ext uri="{FF2B5EF4-FFF2-40B4-BE49-F238E27FC236}">
+                <a16:creationId xmlns:a16="http://schemas.microsoft.com/office/drawing/2014/main" id="{9AA3099F-B22F-B572-B6D7-4EEBEEF7E321}"/>
+              </a:ext>
+            </a:extLst>
+          </p:cNvPr>
+          <p:cNvGraphicFramePr>
+            <a:graphicFrameLocks noGrp="1"/>
+          </p:cNvGraphicFramePr>
+          <p:nvPr>
+            <p:extLst>
+              <p:ext uri="{D42A27DB-BD31-4B8C-83A1-F6EECF244321}">
+                <p14:modId xmlns:p14="http://schemas.microsoft.com/office/powerpoint/2010/main" val="2740159016"/>
+              </p:ext>
+            </p:extLst>
+          </p:nvPr>
+        </p:nvGraphicFramePr>
+        <p:xfrm>
+          <a:off x="996573" y="1442243"/>
+          <a:ext cx="8564285" cy="1483360"/>
+        </p:xfrm>
+        <a:graphic>
+          <a:graphicData uri="http://schemas.openxmlformats.org/drawingml/2006/table">
+            <a:tbl>
+              <a:tblPr firstRow="1" bandRow="1">
+                <a:tableStyleId>{5C22544A-7EE6-4342-B048-85BDC9FD1C3A}</a:tableStyleId>
+              </a:tblPr>
+              <a:tblGrid>
+                <a:gridCol w="340821">
+                  <a:extLst>
+                    <a:ext uri="{9D8B030D-6E8A-4147-A177-3AD203B41FA5}">
+                      <a16:colId xmlns:a16="http://schemas.microsoft.com/office/drawing/2014/main" val="3760163538"/>
+                    </a:ext>
+                  </a:extLst>
+                </a:gridCol>
+                <a:gridCol w="1412530">
+                  <a:extLst>
+                    <a:ext uri="{9D8B030D-6E8A-4147-A177-3AD203B41FA5}">
+                      <a16:colId xmlns:a16="http://schemas.microsoft.com/office/drawing/2014/main" val="3734357478"/>
+                    </a:ext>
+                  </a:extLst>
+                </a:gridCol>
+                <a:gridCol w="3607252">
+                  <a:extLst>
+                    <a:ext uri="{9D8B030D-6E8A-4147-A177-3AD203B41FA5}">
+                      <a16:colId xmlns:a16="http://schemas.microsoft.com/office/drawing/2014/main" val="4219177967"/>
+                    </a:ext>
+                  </a:extLst>
+                </a:gridCol>
+                <a:gridCol w="3203682">
+                  <a:extLst>
+                    <a:ext uri="{9D8B030D-6E8A-4147-A177-3AD203B41FA5}">
+                      <a16:colId xmlns:a16="http://schemas.microsoft.com/office/drawing/2014/main" val="1032687533"/>
+                    </a:ext>
+                  </a:extLst>
+                </a:gridCol>
+              </a:tblGrid>
+              <a:tr h="370840">
+                <a:tc>
+                  <a:txBody>
+                    <a:bodyPr/>
+                    <a:lstStyle/>
+                    <a:p>
+                      <a:pPr algn="ctr"/>
+                      <a:r>
+                        <a:rPr kumimoji="1" lang="en-US" altLang="ja-JP" sz="1100" dirty="0"/>
+                        <a:t>#</a:t>
+                      </a:r>
+                      <a:endParaRPr kumimoji="1" lang="ja-JP" altLang="en-US" sz="1100" dirty="0"/>
+                    </a:p>
+                  </a:txBody>
+                  <a:tcPr/>
+                </a:tc>
+                <a:tc>
+                  <a:txBody>
+                    <a:bodyPr/>
+                    <a:lstStyle/>
+                    <a:p>
+                      <a:pPr algn="ctr"/>
+                      <a:r>
+                        <a:rPr kumimoji="1" lang="en-US" altLang="ja-JP" sz="1100" dirty="0"/>
+                        <a:t>Role Name</a:t>
+                      </a:r>
+                      <a:endParaRPr kumimoji="1" lang="ja-JP" altLang="en-US" sz="1100" dirty="0"/>
+                    </a:p>
+                  </a:txBody>
+                  <a:tcPr/>
+                </a:tc>
+                <a:tc>
+                  <a:txBody>
+                    <a:bodyPr/>
+                    <a:lstStyle/>
+                    <a:p>
+                      <a:pPr algn="ctr"/>
+                      <a:r>
+                        <a:rPr kumimoji="1" lang="en-US" altLang="ja-JP" sz="1100" dirty="0"/>
+                        <a:t>Assign permission</a:t>
+                      </a:r>
+                      <a:endParaRPr kumimoji="1" lang="ja-JP" altLang="en-US" sz="1100" dirty="0"/>
+                    </a:p>
+                  </a:txBody>
+                  <a:tcPr/>
+                </a:tc>
+                <a:tc>
+                  <a:txBody>
+                    <a:bodyPr/>
+                    <a:lstStyle/>
+                    <a:p>
+                      <a:pPr algn="ctr"/>
+                      <a:r>
+                        <a:rPr kumimoji="1" lang="en-US" altLang="ja-JP" sz="1100" dirty="0"/>
+                        <a:t>Description</a:t>
+                      </a:r>
+                      <a:endParaRPr kumimoji="1" lang="ja-JP" altLang="en-US" sz="1100" dirty="0"/>
+                    </a:p>
+                  </a:txBody>
+                  <a:tcPr/>
+                </a:tc>
+                <a:extLst>
+                  <a:ext uri="{0D108BD9-81ED-4DB2-BD59-A6C34878D82A}">
+                    <a16:rowId xmlns:a16="http://schemas.microsoft.com/office/drawing/2014/main" val="394385189"/>
+                  </a:ext>
+                </a:extLst>
+              </a:tr>
+              <a:tr h="370840">
+                <a:tc>
+                  <a:txBody>
+                    <a:bodyPr/>
+                    <a:lstStyle/>
+                    <a:p>
+                      <a:pPr algn="ctr"/>
+                      <a:r>
+                        <a:rPr kumimoji="1" lang="en-US" altLang="ja-JP" sz="1100" dirty="0"/>
+                        <a:t>1</a:t>
+                      </a:r>
+                      <a:endParaRPr kumimoji="1" lang="ja-JP" altLang="en-US" sz="1100" dirty="0"/>
+                    </a:p>
+                  </a:txBody>
+                  <a:tcPr/>
+                </a:tc>
+                <a:tc>
+                  <a:txBody>
+                    <a:bodyPr/>
+                    <a:lstStyle/>
+                    <a:p>
+                      <a:r>
+                        <a:rPr kumimoji="1" lang="en-US" altLang="ja-JP" sz="1100" dirty="0"/>
+                        <a:t>Editor</a:t>
+                      </a:r>
+                      <a:endParaRPr kumimoji="1" lang="ja-JP" altLang="en-US" sz="1100" dirty="0"/>
+                    </a:p>
+                  </a:txBody>
+                  <a:tcPr/>
+                </a:tc>
+                <a:tc rowSpan="3">
+                  <a:txBody>
+                    <a:bodyPr/>
+                    <a:lstStyle/>
+                    <a:p>
+                      <a:pPr marL="0" marR="0" lvl="0" indent="0" algn="l" defTabSz="914400" rtl="0" eaLnBrk="1" fontAlgn="auto" latinLnBrk="0" hangingPunct="1">
+                        <a:lnSpc>
+                          <a:spcPct val="100000"/>
+                        </a:lnSpc>
+                        <a:spcBef>
+                          <a:spcPts val="0"/>
+                        </a:spcBef>
+                        <a:spcAft>
+                          <a:spcPts val="0"/>
+                        </a:spcAft>
+                        <a:buClrTx/>
+                        <a:buSzTx/>
+                        <a:buFontTx/>
+                        <a:buNone/>
+                        <a:tabLst/>
+                        <a:defRPr/>
+                      </a:pPr>
+                      <a:r>
+                        <a:rPr lang="en-US" altLang="ja-JP" sz="1000" dirty="0">
+                          <a:hlinkClick r:id="rId2"/>
+                        </a:rPr>
+                        <a:t>Refer to </a:t>
+                      </a:r>
+                      <a:r>
+                        <a:rPr lang="en-US" altLang="ja-JP" sz="1000" dirty="0" err="1">
+                          <a:hlinkClick r:id="rId2"/>
+                        </a:rPr>
+                        <a:t>Hasura</a:t>
+                      </a:r>
+                      <a:r>
+                        <a:rPr lang="en-US" altLang="ja-JP" sz="1000" dirty="0">
+                          <a:hlinkClick r:id="rId2"/>
+                        </a:rPr>
+                        <a:t> document:</a:t>
+                      </a:r>
+                    </a:p>
+                    <a:p>
+                      <a:pPr marL="0" marR="0" lvl="0" indent="0" algn="l" defTabSz="914400" rtl="0" eaLnBrk="1" fontAlgn="auto" latinLnBrk="0" hangingPunct="1">
+                        <a:lnSpc>
+                          <a:spcPct val="100000"/>
+                        </a:lnSpc>
+                        <a:spcBef>
+                          <a:spcPts val="0"/>
+                        </a:spcBef>
+                        <a:spcAft>
+                          <a:spcPts val="0"/>
+                        </a:spcAft>
+                        <a:buClrTx/>
+                        <a:buSzTx/>
+                        <a:buFontTx/>
+                        <a:buNone/>
+                        <a:tabLst/>
+                        <a:defRPr/>
+                      </a:pPr>
+                      <a:r>
+                        <a:rPr lang="en-US" altLang="ja-JP" sz="1000" dirty="0">
+                          <a:hlinkClick r:id="rId2"/>
+                        </a:rPr>
+                        <a:t>Configure Row Permissions | </a:t>
+                      </a:r>
+                      <a:r>
+                        <a:rPr lang="en-US" altLang="ja-JP" sz="1000" dirty="0" err="1">
+                          <a:hlinkClick r:id="rId2"/>
+                        </a:rPr>
+                        <a:t>Hasura</a:t>
+                      </a:r>
+                      <a:r>
+                        <a:rPr lang="en-US" altLang="ja-JP" sz="1000" dirty="0">
+                          <a:hlinkClick r:id="rId2"/>
+                        </a:rPr>
+                        <a:t> </a:t>
+                      </a:r>
+                      <a:r>
+                        <a:rPr lang="en-US" altLang="ja-JP" sz="1000" dirty="0" err="1">
+                          <a:hlinkClick r:id="rId2"/>
+                        </a:rPr>
+                        <a:t>GraphQL</a:t>
+                      </a:r>
+                      <a:r>
+                        <a:rPr lang="en-US" altLang="ja-JP" sz="1000" dirty="0">
+                          <a:hlinkClick r:id="rId2"/>
+                        </a:rPr>
+                        <a:t> Docs</a:t>
+                      </a:r>
+                      <a:endParaRPr kumimoji="1" lang="ja-JP" altLang="en-US" sz="1100" dirty="0"/>
+                    </a:p>
+                  </a:txBody>
+                  <a:tcPr/>
+                </a:tc>
+                <a:tc>
+                  <a:txBody>
+                    <a:bodyPr/>
+                    <a:lstStyle/>
+                    <a:p>
+                      <a:r>
+                        <a:rPr kumimoji="1" lang="en-US" altLang="ja-JP" sz="1100" dirty="0"/>
+                        <a:t>- Inserted to Roles table</a:t>
+                      </a:r>
+                      <a:endParaRPr kumimoji="1" lang="ja-JP" altLang="en-US" sz="1100" dirty="0"/>
+                    </a:p>
+                  </a:txBody>
+                  <a:tcPr/>
+                </a:tc>
+                <a:extLst>
+                  <a:ext uri="{0D108BD9-81ED-4DB2-BD59-A6C34878D82A}">
+                    <a16:rowId xmlns:a16="http://schemas.microsoft.com/office/drawing/2014/main" val="2542342019"/>
+                  </a:ext>
+                </a:extLst>
+              </a:tr>
+              <a:tr h="370840">
+                <a:tc>
+                  <a:txBody>
+                    <a:bodyPr/>
+                    <a:lstStyle/>
+                    <a:p>
+                      <a:pPr algn="ctr"/>
+                      <a:r>
+                        <a:rPr kumimoji="1" lang="en-US" altLang="ja-JP" sz="1100" dirty="0"/>
+                        <a:t>2</a:t>
+                      </a:r>
+                      <a:endParaRPr kumimoji="1" lang="ja-JP" altLang="en-US" sz="1100" dirty="0"/>
+                    </a:p>
+                  </a:txBody>
+                  <a:tcPr/>
+                </a:tc>
+                <a:tc>
+                  <a:txBody>
+                    <a:bodyPr/>
+                    <a:lstStyle/>
+                    <a:p>
+                      <a:r>
+                        <a:rPr kumimoji="1" lang="en-US" altLang="ja-JP" sz="1100" dirty="0"/>
+                        <a:t>HR</a:t>
+                      </a:r>
+                      <a:endParaRPr kumimoji="1" lang="ja-JP" altLang="en-US" sz="1100" dirty="0"/>
+                    </a:p>
+                  </a:txBody>
+                  <a:tcPr/>
+                </a:tc>
+                <a:tc vMerge="1">
+                  <a:txBody>
+                    <a:bodyPr/>
+                    <a:lstStyle/>
+                    <a:p>
+                      <a:endParaRPr kumimoji="1" lang="ja-JP" altLang="en-US" sz="1100" dirty="0"/>
+                    </a:p>
+                  </a:txBody>
+                  <a:tcPr/>
+                </a:tc>
+                <a:tc>
+                  <a:txBody>
+                    <a:bodyPr/>
+                    <a:lstStyle/>
+                    <a:p>
+                      <a:r>
+                        <a:rPr kumimoji="1" lang="en-US" altLang="ja-JP" sz="1100" dirty="0"/>
+                        <a:t>- Inserted to Roles table</a:t>
+                      </a:r>
+                      <a:endParaRPr kumimoji="1" lang="ja-JP" altLang="en-US" sz="1100" dirty="0"/>
+                    </a:p>
+                  </a:txBody>
+                  <a:tcPr/>
+                </a:tc>
+                <a:extLst>
+                  <a:ext uri="{0D108BD9-81ED-4DB2-BD59-A6C34878D82A}">
+                    <a16:rowId xmlns:a16="http://schemas.microsoft.com/office/drawing/2014/main" val="3720730370"/>
+                  </a:ext>
+                </a:extLst>
+              </a:tr>
+              <a:tr h="370840">
+                <a:tc>
+                  <a:txBody>
+                    <a:bodyPr/>
+                    <a:lstStyle/>
+                    <a:p>
+                      <a:pPr algn="ctr"/>
+                      <a:r>
+                        <a:rPr kumimoji="1" lang="en-US" altLang="ja-JP" sz="1100" dirty="0"/>
+                        <a:t>3</a:t>
+                      </a:r>
+                      <a:endParaRPr kumimoji="1" lang="ja-JP" altLang="en-US" sz="1100" dirty="0"/>
+                    </a:p>
+                  </a:txBody>
+                  <a:tcPr/>
+                </a:tc>
+                <a:tc>
+                  <a:txBody>
+                    <a:bodyPr/>
+                    <a:lstStyle/>
+                    <a:p>
+                      <a:r>
+                        <a:rPr kumimoji="1" lang="en-US" altLang="ja-JP" sz="1100" dirty="0"/>
+                        <a:t>Accountant</a:t>
+                      </a:r>
+                      <a:endParaRPr kumimoji="1" lang="ja-JP" altLang="en-US" sz="1100" dirty="0"/>
+                    </a:p>
+                  </a:txBody>
+                  <a:tcPr/>
+                </a:tc>
+                <a:tc vMerge="1">
+                  <a:txBody>
+                    <a:bodyPr/>
+                    <a:lstStyle/>
+                    <a:p>
+                      <a:pPr marL="0" marR="0" lvl="0" indent="0" algn="l" defTabSz="914400" rtl="0" eaLnBrk="1" fontAlgn="auto" latinLnBrk="0" hangingPunct="1">
+                        <a:lnSpc>
+                          <a:spcPct val="100000"/>
+                        </a:lnSpc>
+                        <a:spcBef>
+                          <a:spcPts val="0"/>
+                        </a:spcBef>
+                        <a:spcAft>
+                          <a:spcPts val="0"/>
+                        </a:spcAft>
+                        <a:buClrTx/>
+                        <a:buSzTx/>
+                        <a:buFontTx/>
+                        <a:buNone/>
+                        <a:tabLst/>
+                        <a:defRPr/>
+                      </a:pPr>
+                      <a:r>
+                        <a:rPr lang="en-US" altLang="ja-JP" sz="1000" b="0" i="0" dirty="0">
+                          <a:solidFill>
+                            <a:srgbClr val="000000"/>
+                          </a:solidFill>
+                          <a:effectLst/>
+                          <a:latin typeface="Consolas" panose="020B0609020204030204" pitchFamily="49" charset="0"/>
+                        </a:rPr>
+                        <a:t>Header: {"X-</a:t>
+                      </a:r>
+                      <a:r>
+                        <a:rPr lang="en-US" altLang="ja-JP" sz="1000" b="0" i="0" dirty="0" err="1">
+                          <a:solidFill>
+                            <a:srgbClr val="000000"/>
+                          </a:solidFill>
+                          <a:effectLst/>
+                          <a:latin typeface="Consolas" panose="020B0609020204030204" pitchFamily="49" charset="0"/>
+                        </a:rPr>
+                        <a:t>Hasura</a:t>
+                      </a:r>
+                      <a:r>
+                        <a:rPr lang="en-US" altLang="ja-JP" sz="1000" b="0" i="0" dirty="0">
+                          <a:solidFill>
+                            <a:srgbClr val="000000"/>
+                          </a:solidFill>
+                          <a:effectLst/>
+                          <a:latin typeface="Consolas" panose="020B0609020204030204" pitchFamily="49" charset="0"/>
+                        </a:rPr>
+                        <a:t>-Role": </a:t>
+                      </a:r>
+                      <a:r>
+                        <a:rPr lang="en-US" altLang="ja-JP" sz="1000" b="0" i="0" dirty="0">
+                          <a:solidFill>
+                            <a:srgbClr val="C00000"/>
+                          </a:solidFill>
+                          <a:effectLst/>
+                          <a:latin typeface="Consolas" panose="020B0609020204030204" pitchFamily="49" charset="0"/>
+                        </a:rPr>
+                        <a:t>“anonymous"</a:t>
+                      </a:r>
+                      <a:r>
+                        <a:rPr lang="en-US" altLang="ja-JP" sz="1000" b="0" i="0" dirty="0">
+                          <a:effectLst/>
+                          <a:latin typeface="Consolas" panose="020B0609020204030204" pitchFamily="49" charset="0"/>
+                        </a:rPr>
+                        <a:t>}</a:t>
+                      </a:r>
+                      <a:endParaRPr kumimoji="1" lang="ja-JP" altLang="en-US" sz="1000" b="0" dirty="0">
+                        <a:latin typeface="Consolas" panose="020B0609020204030204" pitchFamily="49" charset="0"/>
+                      </a:endParaRPr>
+                    </a:p>
+                    <a:p>
+                      <a:pPr marL="0" marR="0" lvl="0" indent="0" algn="l" defTabSz="914400" rtl="0" eaLnBrk="1" fontAlgn="auto" latinLnBrk="0" hangingPunct="1">
+                        <a:lnSpc>
+                          <a:spcPct val="100000"/>
+                        </a:lnSpc>
+                        <a:spcBef>
+                          <a:spcPts val="0"/>
+                        </a:spcBef>
+                        <a:spcAft>
+                          <a:spcPts val="0"/>
+                        </a:spcAft>
+                        <a:buClrTx/>
+                        <a:buSzTx/>
+                        <a:buFontTx/>
+                        <a:buNone/>
+                        <a:tabLst/>
+                        <a:defRPr/>
+                      </a:pPr>
+                      <a:endParaRPr kumimoji="1" lang="ja-JP" altLang="en-US" sz="1100" dirty="0"/>
+                    </a:p>
+                  </a:txBody>
+                  <a:tcPr/>
+                </a:tc>
+                <a:tc>
+                  <a:txBody>
+                    <a:bodyPr/>
+                    <a:lstStyle/>
+                    <a:p>
+                      <a:r>
+                        <a:rPr kumimoji="1" lang="en-US" altLang="ja-JP" sz="1100" dirty="0"/>
+                        <a:t>- Inserted to Roles table</a:t>
+                      </a:r>
+                      <a:endParaRPr kumimoji="1" lang="ja-JP" altLang="en-US" sz="1100" dirty="0"/>
+                    </a:p>
+                  </a:txBody>
+                  <a:tcPr/>
+                </a:tc>
+                <a:extLst>
+                  <a:ext uri="{0D108BD9-81ED-4DB2-BD59-A6C34878D82A}">
+                    <a16:rowId xmlns:a16="http://schemas.microsoft.com/office/drawing/2014/main" val="3694502933"/>
+                  </a:ext>
+                </a:extLst>
+              </a:tr>
+            </a:tbl>
+          </a:graphicData>
+        </a:graphic>
+      </p:graphicFrame>
+      <p:graphicFrame>
+        <p:nvGraphicFramePr>
+          <p:cNvPr id="8" name="表 5">
+            <a:extLst>
+              <a:ext uri="{FF2B5EF4-FFF2-40B4-BE49-F238E27FC236}">
+                <a16:creationId xmlns:a16="http://schemas.microsoft.com/office/drawing/2014/main" id="{F37E085A-D686-3314-C7AE-18744B1F9C45}"/>
+              </a:ext>
+            </a:extLst>
+          </p:cNvPr>
+          <p:cNvGraphicFramePr>
+            <a:graphicFrameLocks noGrp="1"/>
+          </p:cNvGraphicFramePr>
+          <p:nvPr>
+            <p:extLst>
+              <p:ext uri="{D42A27DB-BD31-4B8C-83A1-F6EECF244321}">
+                <p14:modId xmlns:p14="http://schemas.microsoft.com/office/powerpoint/2010/main" val="141262116"/>
+              </p:ext>
+            </p:extLst>
+          </p:nvPr>
+        </p:nvGraphicFramePr>
+        <p:xfrm>
+          <a:off x="996573" y="3596222"/>
+          <a:ext cx="8625717" cy="1483360"/>
+        </p:xfrm>
+        <a:graphic>
+          <a:graphicData uri="http://schemas.openxmlformats.org/drawingml/2006/table">
+            <a:tbl>
+              <a:tblPr firstRow="1" bandRow="1">
+                <a:tableStyleId>{5C22544A-7EE6-4342-B048-85BDC9FD1C3A}</a:tableStyleId>
+              </a:tblPr>
+              <a:tblGrid>
+                <a:gridCol w="330947">
+                  <a:extLst>
+                    <a:ext uri="{9D8B030D-6E8A-4147-A177-3AD203B41FA5}">
+                      <a16:colId xmlns:a16="http://schemas.microsoft.com/office/drawing/2014/main" val="3760163538"/>
+                    </a:ext>
+                  </a:extLst>
+                </a:gridCol>
+                <a:gridCol w="1421130">
+                  <a:extLst>
+                    <a:ext uri="{9D8B030D-6E8A-4147-A177-3AD203B41FA5}">
+                      <a16:colId xmlns:a16="http://schemas.microsoft.com/office/drawing/2014/main" val="3734357478"/>
+                    </a:ext>
+                  </a:extLst>
+                </a:gridCol>
+                <a:gridCol w="3762777">
+                  <a:extLst>
+                    <a:ext uri="{9D8B030D-6E8A-4147-A177-3AD203B41FA5}">
+                      <a16:colId xmlns:a16="http://schemas.microsoft.com/office/drawing/2014/main" val="4219177967"/>
+                    </a:ext>
+                  </a:extLst>
+                </a:gridCol>
+                <a:gridCol w="3110863">
+                  <a:extLst>
+                    <a:ext uri="{9D8B030D-6E8A-4147-A177-3AD203B41FA5}">
+                      <a16:colId xmlns:a16="http://schemas.microsoft.com/office/drawing/2014/main" val="1032687533"/>
+                    </a:ext>
+                  </a:extLst>
+                </a:gridCol>
+              </a:tblGrid>
+              <a:tr h="370840">
+                <a:tc>
+                  <a:txBody>
+                    <a:bodyPr/>
+                    <a:lstStyle/>
+                    <a:p>
+                      <a:pPr algn="ctr"/>
+                      <a:r>
+                        <a:rPr kumimoji="1" lang="en-US" altLang="ja-JP" sz="1100" dirty="0"/>
+                        <a:t>#</a:t>
+                      </a:r>
+                      <a:endParaRPr kumimoji="1" lang="ja-JP" altLang="en-US" sz="1100" dirty="0"/>
+                    </a:p>
+                  </a:txBody>
+                  <a:tcPr/>
+                </a:tc>
+                <a:tc>
+                  <a:txBody>
+                    <a:bodyPr/>
+                    <a:lstStyle/>
+                    <a:p>
+                      <a:pPr algn="ctr"/>
+                      <a:r>
+                        <a:rPr kumimoji="1" lang="en-US" altLang="ja-JP" sz="1100" dirty="0"/>
+                        <a:t>Permission Name</a:t>
+                      </a:r>
+                      <a:endParaRPr kumimoji="1" lang="ja-JP" altLang="en-US" sz="1100" dirty="0"/>
+                    </a:p>
+                  </a:txBody>
+                  <a:tcPr/>
+                </a:tc>
+                <a:tc>
+                  <a:txBody>
+                    <a:bodyPr/>
+                    <a:lstStyle/>
+                    <a:p>
+                      <a:pPr algn="ctr"/>
+                      <a:r>
+                        <a:rPr kumimoji="1" lang="en-US" altLang="ja-JP" sz="1100" dirty="0"/>
+                        <a:t>Assign permission</a:t>
+                      </a:r>
+                      <a:endParaRPr kumimoji="1" lang="ja-JP" altLang="en-US" sz="1100" dirty="0"/>
+                    </a:p>
+                  </a:txBody>
+                  <a:tcPr/>
+                </a:tc>
+                <a:tc>
+                  <a:txBody>
+                    <a:bodyPr/>
+                    <a:lstStyle/>
+                    <a:p>
+                      <a:pPr algn="ctr"/>
+                      <a:r>
+                        <a:rPr kumimoji="1" lang="en-US" altLang="ja-JP" sz="1100" dirty="0"/>
+                        <a:t>Description</a:t>
+                      </a:r>
+                      <a:endParaRPr kumimoji="1" lang="ja-JP" altLang="en-US" sz="1100" dirty="0"/>
+                    </a:p>
+                  </a:txBody>
+                  <a:tcPr/>
+                </a:tc>
+                <a:extLst>
+                  <a:ext uri="{0D108BD9-81ED-4DB2-BD59-A6C34878D82A}">
+                    <a16:rowId xmlns:a16="http://schemas.microsoft.com/office/drawing/2014/main" val="394385189"/>
+                  </a:ext>
+                </a:extLst>
+              </a:tr>
+              <a:tr h="370840">
+                <a:tc>
+                  <a:txBody>
+                    <a:bodyPr/>
+                    <a:lstStyle/>
+                    <a:p>
+                      <a:pPr algn="ctr"/>
+                      <a:r>
+                        <a:rPr kumimoji="1" lang="en-US" altLang="ja-JP" sz="1100" dirty="0"/>
+                        <a:t>1</a:t>
+                      </a:r>
+                      <a:endParaRPr kumimoji="1" lang="ja-JP" altLang="en-US" sz="1100" dirty="0"/>
+                    </a:p>
+                  </a:txBody>
+                  <a:tcPr/>
+                </a:tc>
+                <a:tc>
+                  <a:txBody>
+                    <a:bodyPr/>
+                    <a:lstStyle/>
+                    <a:p>
+                      <a:r>
+                        <a:rPr kumimoji="1" lang="en-US" altLang="ja-JP" sz="1100" dirty="0" err="1"/>
+                        <a:t>select_user</a:t>
+                      </a:r>
+                      <a:endParaRPr kumimoji="1" lang="ja-JP" altLang="en-US" sz="1100" dirty="0"/>
+                    </a:p>
+                  </a:txBody>
+                  <a:tcPr/>
+                </a:tc>
+                <a:tc rowSpan="3">
+                  <a:txBody>
+                    <a:bodyPr/>
+                    <a:lstStyle/>
+                    <a:p>
+                      <a:pPr marL="0" marR="0" lvl="0" indent="0" algn="l" defTabSz="914400" rtl="0" eaLnBrk="1" fontAlgn="auto" latinLnBrk="0" hangingPunct="1">
+                        <a:lnSpc>
+                          <a:spcPct val="100000"/>
+                        </a:lnSpc>
+                        <a:spcBef>
+                          <a:spcPts val="0"/>
+                        </a:spcBef>
+                        <a:spcAft>
+                          <a:spcPts val="0"/>
+                        </a:spcAft>
+                        <a:buClrTx/>
+                        <a:buSzTx/>
+                        <a:buFontTx/>
+                        <a:buNone/>
+                        <a:tabLst/>
+                        <a:defRPr/>
+                      </a:pPr>
+                      <a:r>
+                        <a:rPr lang="en-US" altLang="ja-JP" sz="1000" dirty="0">
+                          <a:hlinkClick r:id="rId2"/>
+                        </a:rPr>
+                        <a:t>Refer to </a:t>
+                      </a:r>
+                      <a:r>
+                        <a:rPr lang="en-US" altLang="ja-JP" sz="1000" dirty="0" err="1">
+                          <a:hlinkClick r:id="rId2"/>
+                        </a:rPr>
+                        <a:t>Hasura</a:t>
+                      </a:r>
+                      <a:r>
+                        <a:rPr lang="en-US" altLang="ja-JP" sz="1000" dirty="0">
+                          <a:hlinkClick r:id="rId2"/>
+                        </a:rPr>
+                        <a:t> document:</a:t>
+                      </a:r>
+                    </a:p>
+                    <a:p>
+                      <a:pPr marL="0" marR="0" lvl="0" indent="0" algn="l" defTabSz="914400" rtl="0" eaLnBrk="1" fontAlgn="auto" latinLnBrk="0" hangingPunct="1">
+                        <a:lnSpc>
+                          <a:spcPct val="100000"/>
+                        </a:lnSpc>
+                        <a:spcBef>
+                          <a:spcPts val="0"/>
+                        </a:spcBef>
+                        <a:spcAft>
+                          <a:spcPts val="0"/>
+                        </a:spcAft>
+                        <a:buClrTx/>
+                        <a:buSzTx/>
+                        <a:buFontTx/>
+                        <a:buNone/>
+                        <a:tabLst/>
+                        <a:defRPr/>
+                      </a:pPr>
+                      <a:r>
+                        <a:rPr lang="en-US" altLang="ja-JP" sz="1000" dirty="0">
+                          <a:hlinkClick r:id="rId2"/>
+                        </a:rPr>
+                        <a:t>Configure Row Permissions | </a:t>
+                      </a:r>
+                      <a:r>
+                        <a:rPr lang="en-US" altLang="ja-JP" sz="1000" dirty="0" err="1">
+                          <a:hlinkClick r:id="rId2"/>
+                        </a:rPr>
+                        <a:t>Hasura</a:t>
+                      </a:r>
+                      <a:r>
+                        <a:rPr lang="en-US" altLang="ja-JP" sz="1000" dirty="0">
+                          <a:hlinkClick r:id="rId2"/>
+                        </a:rPr>
+                        <a:t> </a:t>
+                      </a:r>
+                      <a:r>
+                        <a:rPr lang="en-US" altLang="ja-JP" sz="1000" dirty="0" err="1">
+                          <a:hlinkClick r:id="rId2"/>
+                        </a:rPr>
+                        <a:t>GraphQL</a:t>
+                      </a:r>
+                      <a:r>
+                        <a:rPr lang="en-US" altLang="ja-JP" sz="1000" dirty="0">
+                          <a:hlinkClick r:id="rId2"/>
+                        </a:rPr>
+                        <a:t> Docs</a:t>
+                      </a:r>
+                      <a:endParaRPr kumimoji="1" lang="ja-JP" altLang="en-US" sz="1100" dirty="0"/>
+                    </a:p>
+                  </a:txBody>
+                  <a:tcPr/>
+                </a:tc>
+                <a:tc>
+                  <a:txBody>
+                    <a:bodyPr/>
+                    <a:lstStyle/>
+                    <a:p>
+                      <a:r>
+                        <a:rPr kumimoji="1" lang="en-US" altLang="ja-JP" sz="1100" dirty="0"/>
+                        <a:t>- Inserted to Permissions table</a:t>
+                      </a:r>
+                      <a:endParaRPr kumimoji="1" lang="ja-JP" altLang="en-US" sz="1100" dirty="0"/>
+                    </a:p>
+                  </a:txBody>
+                  <a:tcPr/>
+                </a:tc>
+                <a:extLst>
+                  <a:ext uri="{0D108BD9-81ED-4DB2-BD59-A6C34878D82A}">
+                    <a16:rowId xmlns:a16="http://schemas.microsoft.com/office/drawing/2014/main" val="2542342019"/>
+                  </a:ext>
+                </a:extLst>
+              </a:tr>
+              <a:tr h="370840">
+                <a:tc>
+                  <a:txBody>
+                    <a:bodyPr/>
+                    <a:lstStyle/>
+                    <a:p>
+                      <a:pPr algn="ctr"/>
+                      <a:r>
+                        <a:rPr kumimoji="1" lang="en-US" altLang="ja-JP" sz="1100" dirty="0"/>
+                        <a:t>2</a:t>
+                      </a:r>
+                      <a:endParaRPr kumimoji="1" lang="ja-JP" altLang="en-US" sz="1100" dirty="0"/>
+                    </a:p>
+                  </a:txBody>
+                  <a:tcPr/>
+                </a:tc>
+                <a:tc>
+                  <a:txBody>
+                    <a:bodyPr/>
+                    <a:lstStyle/>
+                    <a:p>
+                      <a:r>
+                        <a:rPr kumimoji="1" lang="en-US" altLang="ja-JP" sz="1100" dirty="0" err="1"/>
+                        <a:t>insert_user</a:t>
+                      </a:r>
+                      <a:endParaRPr kumimoji="1" lang="ja-JP" altLang="en-US" sz="1100" dirty="0"/>
+                    </a:p>
+                  </a:txBody>
+                  <a:tcPr/>
+                </a:tc>
+                <a:tc vMerge="1">
+                  <a:txBody>
+                    <a:bodyPr/>
+                    <a:lstStyle/>
+                    <a:p>
+                      <a:endParaRPr kumimoji="1" lang="ja-JP" altLang="en-US" sz="1100" dirty="0"/>
+                    </a:p>
+                  </a:txBody>
+                  <a:tcPr/>
+                </a:tc>
+                <a:tc>
+                  <a:txBody>
+                    <a:bodyPr/>
+                    <a:lstStyle/>
+                    <a:p>
+                      <a:r>
+                        <a:rPr kumimoji="1" lang="en-US" altLang="ja-JP" sz="1100" dirty="0"/>
+                        <a:t>- Inserted to Permissions table</a:t>
+                      </a:r>
+                      <a:endParaRPr kumimoji="1" lang="ja-JP" altLang="en-US" sz="1100" dirty="0"/>
+                    </a:p>
+                  </a:txBody>
+                  <a:tcPr/>
+                </a:tc>
+                <a:extLst>
+                  <a:ext uri="{0D108BD9-81ED-4DB2-BD59-A6C34878D82A}">
+                    <a16:rowId xmlns:a16="http://schemas.microsoft.com/office/drawing/2014/main" val="3720730370"/>
+                  </a:ext>
+                </a:extLst>
+              </a:tr>
+              <a:tr h="370840">
+                <a:tc>
+                  <a:txBody>
+                    <a:bodyPr/>
+                    <a:lstStyle/>
+                    <a:p>
+                      <a:pPr algn="ctr"/>
+                      <a:r>
+                        <a:rPr kumimoji="1" lang="en-US" altLang="ja-JP" sz="1100" dirty="0"/>
+                        <a:t>3</a:t>
+                      </a:r>
+                      <a:endParaRPr kumimoji="1" lang="ja-JP" altLang="en-US" sz="1100" dirty="0"/>
+                    </a:p>
+                  </a:txBody>
+                  <a:tcPr/>
+                </a:tc>
+                <a:tc>
+                  <a:txBody>
+                    <a:bodyPr/>
+                    <a:lstStyle/>
+                    <a:p>
+                      <a:r>
+                        <a:rPr kumimoji="1" lang="en-US" altLang="ja-JP" sz="1100" dirty="0" err="1"/>
+                        <a:t>update_user</a:t>
+                      </a:r>
+                      <a:endParaRPr kumimoji="1" lang="ja-JP" altLang="en-US" sz="1100" dirty="0"/>
+                    </a:p>
+                  </a:txBody>
+                  <a:tcPr/>
+                </a:tc>
+                <a:tc vMerge="1">
+                  <a:txBody>
+                    <a:bodyPr/>
+                    <a:lstStyle/>
+                    <a:p>
+                      <a:pPr marL="0" marR="0" lvl="0" indent="0" algn="l" defTabSz="914400" rtl="0" eaLnBrk="1" fontAlgn="auto" latinLnBrk="0" hangingPunct="1">
+                        <a:lnSpc>
+                          <a:spcPct val="100000"/>
+                        </a:lnSpc>
+                        <a:spcBef>
+                          <a:spcPts val="0"/>
+                        </a:spcBef>
+                        <a:spcAft>
+                          <a:spcPts val="0"/>
+                        </a:spcAft>
+                        <a:buClrTx/>
+                        <a:buSzTx/>
+                        <a:buFontTx/>
+                        <a:buNone/>
+                        <a:tabLst/>
+                        <a:defRPr/>
+                      </a:pPr>
+                      <a:r>
+                        <a:rPr lang="en-US" altLang="ja-JP" sz="1000" b="0" i="0" dirty="0">
+                          <a:solidFill>
+                            <a:srgbClr val="000000"/>
+                          </a:solidFill>
+                          <a:effectLst/>
+                          <a:latin typeface="Consolas" panose="020B0609020204030204" pitchFamily="49" charset="0"/>
+                        </a:rPr>
+                        <a:t>Header: {"X-</a:t>
+                      </a:r>
+                      <a:r>
+                        <a:rPr lang="en-US" altLang="ja-JP" sz="1000" b="0" i="0" dirty="0" err="1">
+                          <a:solidFill>
+                            <a:srgbClr val="000000"/>
+                          </a:solidFill>
+                          <a:effectLst/>
+                          <a:latin typeface="Consolas" panose="020B0609020204030204" pitchFamily="49" charset="0"/>
+                        </a:rPr>
+                        <a:t>Hasura</a:t>
+                      </a:r>
+                      <a:r>
+                        <a:rPr lang="en-US" altLang="ja-JP" sz="1000" b="0" i="0" dirty="0">
+                          <a:solidFill>
+                            <a:srgbClr val="000000"/>
+                          </a:solidFill>
+                          <a:effectLst/>
+                          <a:latin typeface="Consolas" panose="020B0609020204030204" pitchFamily="49" charset="0"/>
+                        </a:rPr>
+                        <a:t>-Role": </a:t>
+                      </a:r>
+                      <a:r>
+                        <a:rPr lang="en-US" altLang="ja-JP" sz="1000" b="0" i="0" dirty="0">
+                          <a:solidFill>
+                            <a:srgbClr val="C00000"/>
+                          </a:solidFill>
+                          <a:effectLst/>
+                          <a:latin typeface="Consolas" panose="020B0609020204030204" pitchFamily="49" charset="0"/>
+                        </a:rPr>
+                        <a:t>“anonymous"</a:t>
+                      </a:r>
+                      <a:r>
+                        <a:rPr lang="en-US" altLang="ja-JP" sz="1000" b="0" i="0" dirty="0">
+                          <a:effectLst/>
+                          <a:latin typeface="Consolas" panose="020B0609020204030204" pitchFamily="49" charset="0"/>
+                        </a:rPr>
+                        <a:t>}</a:t>
+                      </a:r>
+                      <a:endParaRPr kumimoji="1" lang="ja-JP" altLang="en-US" sz="1000" b="0" dirty="0">
+                        <a:latin typeface="Consolas" panose="020B0609020204030204" pitchFamily="49" charset="0"/>
+                      </a:endParaRPr>
+                    </a:p>
+                    <a:p>
+                      <a:pPr marL="0" marR="0" lvl="0" indent="0" algn="l" defTabSz="914400" rtl="0" eaLnBrk="1" fontAlgn="auto" latinLnBrk="0" hangingPunct="1">
+                        <a:lnSpc>
+                          <a:spcPct val="100000"/>
+                        </a:lnSpc>
+                        <a:spcBef>
+                          <a:spcPts val="0"/>
+                        </a:spcBef>
+                        <a:spcAft>
+                          <a:spcPts val="0"/>
+                        </a:spcAft>
+                        <a:buClrTx/>
+                        <a:buSzTx/>
+                        <a:buFontTx/>
+                        <a:buNone/>
+                        <a:tabLst/>
+                        <a:defRPr/>
+                      </a:pPr>
+                      <a:endParaRPr kumimoji="1" lang="ja-JP" altLang="en-US" sz="1100" dirty="0"/>
+                    </a:p>
+                  </a:txBody>
+                  <a:tcPr/>
+                </a:tc>
+                <a:tc>
+                  <a:txBody>
+                    <a:bodyPr/>
+                    <a:lstStyle/>
+                    <a:p>
+                      <a:r>
+                        <a:rPr kumimoji="1" lang="en-US" altLang="ja-JP" sz="1100" dirty="0"/>
+                        <a:t>- Inserted to Permissions table</a:t>
+                      </a:r>
+                      <a:endParaRPr kumimoji="1" lang="ja-JP" altLang="en-US" sz="1100" dirty="0"/>
+                    </a:p>
+                  </a:txBody>
+                  <a:tcPr/>
+                </a:tc>
+                <a:extLst>
+                  <a:ext uri="{0D108BD9-81ED-4DB2-BD59-A6C34878D82A}">
+                    <a16:rowId xmlns:a16="http://schemas.microsoft.com/office/drawing/2014/main" val="3694502933"/>
+                  </a:ext>
+                </a:extLst>
+              </a:tr>
+            </a:tbl>
+          </a:graphicData>
+        </a:graphic>
+      </p:graphicFrame>
+    </p:spTree>
+    <p:extLst>
+      <p:ext uri="{BB962C8B-B14F-4D97-AF65-F5344CB8AC3E}">
+        <p14:creationId xmlns:p14="http://schemas.microsoft.com/office/powerpoint/2010/main" val="2929804909"/>
       </p:ext>
     </p:extLst>
   </p:cSld>
